--- a/files/G4Progress.pptx
+++ b/files/G4Progress.pptx
@@ -5,7 +5,7 @@
     <p:sldMasterId id="2147483664" r:id="rId4"/>
   </p:sldMasterIdLst>
   <p:notesMasterIdLst>
-    <p:notesMasterId r:id="rId12"/>
+    <p:notesMasterId r:id="rId14"/>
   </p:notesMasterIdLst>
   <p:sldIdLst>
     <p:sldId id="359" r:id="rId5"/>
@@ -13,8 +13,10 @@
     <p:sldId id="2951" r:id="rId7"/>
     <p:sldId id="2952" r:id="rId8"/>
     <p:sldId id="2953" r:id="rId9"/>
-    <p:sldId id="2955" r:id="rId10"/>
-    <p:sldId id="2954" r:id="rId11"/>
+    <p:sldId id="2956" r:id="rId10"/>
+    <p:sldId id="2957" r:id="rId11"/>
+    <p:sldId id="2955" r:id="rId12"/>
+    <p:sldId id="2954" r:id="rId13"/>
   </p:sldIdLst>
   <p:sldSz cx="12192000" cy="6858000"/>
   <p:notesSz cx="6858000" cy="9144000"/>
@@ -223,7 +225,7 @@
           <a:p>
             <a:fld id="{3EB66F97-B16A-DD45-BF14-4951AD23E4F1}" type="datetimeFigureOut">
               <a:rPr lang="en-US" smtClean="0"/>
-              <a:t>11/7/2025</a:t>
+              <a:t>11/10/2025</a:t>
             </a:fld>
             <a:endParaRPr lang="en-US"/>
           </a:p>
@@ -585,7 +587,7 @@
           </a:ln>
           <a:extLst>
             <a:ext uri="{C572A759-6A51-4108-AA02-DFA0A04FC94B}">
-              <ma14:wrappingTextBoxFlag xmlns="" xmlns:ma14="http://schemas.microsoft.com/office/mac/drawingml/2011/main" val="1"/>
+              <ma14:wrappingTextBoxFlag xmlns:ma14="http://schemas.microsoft.com/office/mac/drawingml/2011/main" xmlns="" val="1"/>
             </a:ext>
           </a:extLst>
         </p:spPr>
@@ -983,7 +985,7 @@
           </a:ln>
           <a:extLst>
             <a:ext uri="{C572A759-6A51-4108-AA02-DFA0A04FC94B}">
-              <ma14:wrappingTextBoxFlag xmlns="" xmlns:ma14="http://schemas.microsoft.com/office/mac/drawingml/2011/main" val="1"/>
+              <ma14:wrappingTextBoxFlag xmlns:ma14="http://schemas.microsoft.com/office/mac/drawingml/2011/main" xmlns="" val="1"/>
             </a:ext>
           </a:extLst>
         </p:spPr>
@@ -1032,7 +1034,7 @@
           </a:ln>
           <a:extLst>
             <a:ext uri="{C572A759-6A51-4108-AA02-DFA0A04FC94B}">
-              <ma14:wrappingTextBoxFlag xmlns="" xmlns:ma14="http://schemas.microsoft.com/office/mac/drawingml/2011/main" val="1"/>
+              <ma14:wrappingTextBoxFlag xmlns:ma14="http://schemas.microsoft.com/office/mac/drawingml/2011/main" xmlns="" val="1"/>
             </a:ext>
           </a:extLst>
         </p:spPr>
@@ -2009,7 +2011,7 @@
                 <a:latin typeface="Times New Roman" panose="02020603050405020304" pitchFamily="18" charset="0"/>
                 <a:cs typeface="Times New Roman" panose="02020603050405020304" pitchFamily="18" charset="0"/>
               </a:rPr>
-              <a:t>: To analyse the performance of x86 multi-core architecture in gem5 by scaling the number of cores, cache associativity and cache size.</a:t>
+              <a:t>: To analyse the performance of x86 multi-core architecture in gem5 by scaling the number of cores, cache associativity, and cache size.</a:t>
             </a:r>
           </a:p>
           <a:p>
@@ -2813,6 +2815,292 @@
 </file>
 
 <file path=ppt/slides/slide6.xml><?xml version="1.0" encoding="utf-8"?>
+<p:sld xmlns:a="http://schemas.openxmlformats.org/drawingml/2006/main" xmlns:r="http://schemas.openxmlformats.org/officeDocument/2006/relationships" xmlns:p="http://schemas.openxmlformats.org/presentationml/2006/main">
+  <p:cSld>
+    <p:spTree>
+      <p:nvGrpSpPr>
+        <p:cNvPr id="1" name=""/>
+        <p:cNvGrpSpPr/>
+        <p:nvPr/>
+      </p:nvGrpSpPr>
+      <p:grpSpPr>
+        <a:xfrm>
+          <a:off x="0" y="0"/>
+          <a:ext cx="0" cy="0"/>
+          <a:chOff x="0" y="0"/>
+          <a:chExt cx="0" cy="0"/>
+        </a:xfrm>
+      </p:grpSpPr>
+      <p:sp>
+        <p:nvSpPr>
+          <p:cNvPr id="2" name="Title 1">
+            <a:extLst>
+              <a:ext uri="{FF2B5EF4-FFF2-40B4-BE49-F238E27FC236}">
+                <a16:creationId xmlns:a16="http://schemas.microsoft.com/office/drawing/2014/main" id="{86C3717D-613C-A55E-BE21-3B8C890E016F}"/>
+              </a:ext>
+            </a:extLst>
+          </p:cNvPr>
+          <p:cNvSpPr>
+            <a:spLocks noGrp="1"/>
+          </p:cNvSpPr>
+          <p:nvPr>
+            <p:ph type="title"/>
+          </p:nvPr>
+        </p:nvSpPr>
+        <p:spPr/>
+        <p:txBody>
+          <a:bodyPr/>
+          <a:lstStyle/>
+          <a:p>
+            <a:r>
+              <a:rPr lang="en-IN" dirty="0">
+                <a:latin typeface="Times New Roman" panose="02020603050405020304" pitchFamily="18" charset="0"/>
+                <a:cs typeface="Times New Roman" panose="02020603050405020304" pitchFamily="18" charset="0"/>
+              </a:rPr>
+              <a:t>Project Progress</a:t>
+            </a:r>
+          </a:p>
+        </p:txBody>
+      </p:sp>
+      <p:sp>
+        <p:nvSpPr>
+          <p:cNvPr id="3" name="Content Placeholder 2">
+            <a:extLst>
+              <a:ext uri="{FF2B5EF4-FFF2-40B4-BE49-F238E27FC236}">
+                <a16:creationId xmlns:a16="http://schemas.microsoft.com/office/drawing/2014/main" id="{9F5765D4-23D1-2623-D721-3D21E9947D1A}"/>
+              </a:ext>
+            </a:extLst>
+          </p:cNvPr>
+          <p:cNvSpPr>
+            <a:spLocks noGrp="1"/>
+          </p:cNvSpPr>
+          <p:nvPr>
+            <p:ph idx="1"/>
+          </p:nvPr>
+        </p:nvSpPr>
+        <p:spPr/>
+        <p:txBody>
+          <a:bodyPr/>
+          <a:lstStyle/>
+          <a:p>
+            <a:pPr marL="223234" indent="0">
+              <a:buNone/>
+            </a:pPr>
+            <a:r>
+              <a:rPr lang="en-IN" sz="2000" dirty="0">
+                <a:solidFill>
+                  <a:srgbClr val="002060"/>
+                </a:solidFill>
+                <a:latin typeface="Times New Roman" panose="02020603050405020304" pitchFamily="18" charset="0"/>
+                <a:cs typeface="Times New Roman" panose="02020603050405020304" pitchFamily="18" charset="0"/>
+              </a:rPr>
+              <a:t>Partial Result</a:t>
+            </a:r>
+          </a:p>
+          <a:p>
+            <a:pPr marL="223234" indent="0">
+              <a:buNone/>
+            </a:pPr>
+            <a:r>
+              <a:rPr lang="en-IN" sz="2000" b="0" dirty="0">
+                <a:latin typeface="Times New Roman" panose="02020603050405020304" pitchFamily="18" charset="0"/>
+                <a:cs typeface="Times New Roman" panose="02020603050405020304" pitchFamily="18" charset="0"/>
+              </a:rPr>
+              <a:t>This is the terminal output showing the results after executing the workload with different threads. This verifies that our merge sort algorithm with OpenMP is working correctly and executing in parallel.</a:t>
+            </a:r>
+          </a:p>
+          <a:p>
+            <a:pPr marL="223234" indent="0">
+              <a:buNone/>
+            </a:pPr>
+            <a:endParaRPr lang="en-IN" sz="2000" b="0" dirty="0">
+              <a:latin typeface="Times New Roman" panose="02020603050405020304" pitchFamily="18" charset="0"/>
+              <a:cs typeface="Times New Roman" panose="02020603050405020304" pitchFamily="18" charset="0"/>
+            </a:endParaRPr>
+          </a:p>
+        </p:txBody>
+      </p:sp>
+      <p:pic>
+        <p:nvPicPr>
+          <p:cNvPr id="5" name="Picture 4" descr="A computer screen with a purple background&#10;&#10;AI-generated content may be incorrect.">
+            <a:extLst>
+              <a:ext uri="{FF2B5EF4-FFF2-40B4-BE49-F238E27FC236}">
+                <a16:creationId xmlns:a16="http://schemas.microsoft.com/office/drawing/2014/main" id="{E7E5CB20-D5E6-A642-5251-1FE2C5C0E8D5}"/>
+              </a:ext>
+            </a:extLst>
+          </p:cNvPr>
+          <p:cNvPicPr>
+            <a:picLocks noChangeAspect="1"/>
+          </p:cNvPicPr>
+          <p:nvPr/>
+        </p:nvPicPr>
+        <p:blipFill>
+          <a:blip r:embed="rId2">
+            <a:extLst>
+              <a:ext uri="{28A0092B-C50C-407E-A947-70E740481C1C}">
+                <a14:useLocalDpi xmlns:a14="http://schemas.microsoft.com/office/drawing/2010/main" val="0"/>
+              </a:ext>
+            </a:extLst>
+          </a:blip>
+          <a:stretch>
+            <a:fillRect/>
+          </a:stretch>
+        </p:blipFill>
+        <p:spPr>
+          <a:xfrm>
+            <a:off x="2104999" y="1955260"/>
+            <a:ext cx="7960922" cy="4465417"/>
+          </a:xfrm>
+          <a:prstGeom prst="rect">
+            <a:avLst/>
+          </a:prstGeom>
+        </p:spPr>
+      </p:pic>
+    </p:spTree>
+    <p:extLst>
+      <p:ext uri="{BB962C8B-B14F-4D97-AF65-F5344CB8AC3E}">
+        <p14:creationId xmlns:p14="http://schemas.microsoft.com/office/powerpoint/2010/main" val="2291546032"/>
+      </p:ext>
+    </p:extLst>
+  </p:cSld>
+  <p:clrMapOvr>
+    <a:masterClrMapping/>
+  </p:clrMapOvr>
+  <p:transition spd="slow">
+    <p:wipe/>
+  </p:transition>
+</p:sld>
+</file>
+
+<file path=ppt/slides/slide7.xml><?xml version="1.0" encoding="utf-8"?>
+<p:sld xmlns:a="http://schemas.openxmlformats.org/drawingml/2006/main" xmlns:r="http://schemas.openxmlformats.org/officeDocument/2006/relationships" xmlns:p="http://schemas.openxmlformats.org/presentationml/2006/main">
+  <p:cSld>
+    <p:spTree>
+      <p:nvGrpSpPr>
+        <p:cNvPr id="1" name="">
+          <a:extLst>
+            <a:ext uri="{FF2B5EF4-FFF2-40B4-BE49-F238E27FC236}">
+              <a16:creationId xmlns:a16="http://schemas.microsoft.com/office/drawing/2014/main" id="{AA69F6F5-0C15-8642-F997-F5CCB5FBF56F}"/>
+            </a:ext>
+          </a:extLst>
+        </p:cNvPr>
+        <p:cNvGrpSpPr/>
+        <p:nvPr/>
+      </p:nvGrpSpPr>
+      <p:grpSpPr>
+        <a:xfrm>
+          <a:off x="0" y="0"/>
+          <a:ext cx="0" cy="0"/>
+          <a:chOff x="0" y="0"/>
+          <a:chExt cx="0" cy="0"/>
+        </a:xfrm>
+      </p:grpSpPr>
+      <p:sp>
+        <p:nvSpPr>
+          <p:cNvPr id="2" name="Title 1">
+            <a:extLst>
+              <a:ext uri="{FF2B5EF4-FFF2-40B4-BE49-F238E27FC236}">
+                <a16:creationId xmlns:a16="http://schemas.microsoft.com/office/drawing/2014/main" id="{F17862C9-5DCA-1CC5-F089-AA844786D14E}"/>
+              </a:ext>
+            </a:extLst>
+          </p:cNvPr>
+          <p:cNvSpPr>
+            <a:spLocks noGrp="1"/>
+          </p:cNvSpPr>
+          <p:nvPr>
+            <p:ph type="title"/>
+          </p:nvPr>
+        </p:nvSpPr>
+        <p:spPr/>
+        <p:txBody>
+          <a:bodyPr/>
+          <a:lstStyle/>
+          <a:p>
+            <a:r>
+              <a:rPr lang="en-IN" dirty="0">
+                <a:latin typeface="Times New Roman" panose="02020603050405020304" pitchFamily="18" charset="0"/>
+                <a:cs typeface="Times New Roman" panose="02020603050405020304" pitchFamily="18" charset="0"/>
+              </a:rPr>
+              <a:t>Project Progress</a:t>
+            </a:r>
+          </a:p>
+        </p:txBody>
+      </p:sp>
+      <p:sp>
+        <p:nvSpPr>
+          <p:cNvPr id="3" name="Content Placeholder 2">
+            <a:extLst>
+              <a:ext uri="{FF2B5EF4-FFF2-40B4-BE49-F238E27FC236}">
+                <a16:creationId xmlns:a16="http://schemas.microsoft.com/office/drawing/2014/main" id="{00BD014C-3167-E3AD-2E36-5C8416DFDFF3}"/>
+              </a:ext>
+            </a:extLst>
+          </p:cNvPr>
+          <p:cNvSpPr>
+            <a:spLocks noGrp="1"/>
+          </p:cNvSpPr>
+          <p:nvPr>
+            <p:ph idx="1"/>
+          </p:nvPr>
+        </p:nvSpPr>
+        <p:spPr/>
+        <p:txBody>
+          <a:bodyPr/>
+          <a:lstStyle/>
+          <a:p>
+            <a:pPr marL="223234" indent="0">
+              <a:buNone/>
+            </a:pPr>
+            <a:r>
+              <a:rPr lang="en-IN" sz="2000" dirty="0">
+                <a:solidFill>
+                  <a:srgbClr val="002060"/>
+                </a:solidFill>
+                <a:latin typeface="Times New Roman" panose="02020603050405020304" pitchFamily="18" charset="0"/>
+                <a:cs typeface="Times New Roman" panose="02020603050405020304" pitchFamily="18" charset="0"/>
+              </a:rPr>
+              <a:t>Partial Result</a:t>
+            </a:r>
+          </a:p>
+          <a:p>
+            <a:pPr marL="223234" indent="0">
+              <a:buNone/>
+            </a:pPr>
+            <a:r>
+              <a:rPr lang="en-IN" sz="2000" b="0" dirty="0">
+                <a:latin typeface="Times New Roman" panose="02020603050405020304" pitchFamily="18" charset="0"/>
+                <a:cs typeface="Times New Roman" panose="02020603050405020304" pitchFamily="18" charset="0"/>
+              </a:rPr>
+              <a:t>This is the terminal output showing the results after executing the workload with different threads. This verifies that our merge sort algorithm with OpenMP is working correctly and executing in parallel.</a:t>
+            </a:r>
+          </a:p>
+          <a:p>
+            <a:pPr marL="223234" indent="0">
+              <a:buNone/>
+            </a:pPr>
+            <a:endParaRPr lang="en-IN" sz="2000" b="0" dirty="0">
+              <a:latin typeface="Times New Roman" panose="02020603050405020304" pitchFamily="18" charset="0"/>
+              <a:cs typeface="Times New Roman" panose="02020603050405020304" pitchFamily="18" charset="0"/>
+            </a:endParaRPr>
+          </a:p>
+        </p:txBody>
+      </p:sp>
+    </p:spTree>
+    <p:extLst>
+      <p:ext uri="{BB962C8B-B14F-4D97-AF65-F5344CB8AC3E}">
+        <p14:creationId xmlns:p14="http://schemas.microsoft.com/office/powerpoint/2010/main" val="2728116821"/>
+      </p:ext>
+    </p:extLst>
+  </p:cSld>
+  <p:clrMapOvr>
+    <a:masterClrMapping/>
+  </p:clrMapOvr>
+  <p:transition spd="slow">
+    <p:wipe/>
+  </p:transition>
+</p:sld>
+</file>
+
+<file path=ppt/slides/slide8.xml><?xml version="1.0" encoding="utf-8"?>
 <p:sld xmlns:a="http://schemas.openxmlformats.org/drawingml/2006/main" xmlns:r="http://schemas.openxmlformats.org/officeDocument/2006/relationships" xmlns:p="http://schemas.openxmlformats.org/presentationml/2006/main">
   <p:cSld>
     <p:spTree>
@@ -3488,7 +3776,7 @@
 </p:sld>
 </file>
 
-<file path=ppt/slides/slide7.xml><?xml version="1.0" encoding="utf-8"?>
+<file path=ppt/slides/slide9.xml><?xml version="1.0" encoding="utf-8"?>
 <p:sld xmlns:a="http://schemas.openxmlformats.org/drawingml/2006/main" xmlns:r="http://schemas.openxmlformats.org/officeDocument/2006/relationships" xmlns:p="http://schemas.openxmlformats.org/presentationml/2006/main">
   <p:cSld>
     <p:spTree>
@@ -3531,7 +3819,7 @@
                 <a:latin typeface="Times New Roman" panose="02020603050405020304" pitchFamily="18" charset="0"/>
                 <a:cs typeface="Times New Roman" panose="02020603050405020304" pitchFamily="18" charset="0"/>
               </a:rPr>
-              <a:t>Expected Deliverables and Result</a:t>
+              <a:t>Expected Result and Deliverables</a:t>
             </a:r>
           </a:p>
         </p:txBody>
@@ -3575,7 +3863,7 @@
                 <a:latin typeface="Times New Roman" panose="02020603050405020304" pitchFamily="18" charset="0"/>
                 <a:cs typeface="Times New Roman" panose="02020603050405020304" pitchFamily="18" charset="0"/>
               </a:rPr>
-              <a:t>A comprehensive final report with an in-depth analysis of the effect of cores and cache hierarchy in the performance of X86 multicore architecture.</a:t>
+              <a:t>A comprehensive final report with an in-depth analysis of the effect of cores and cache hierarchy on the performance of X86 multicore architecture.</a:t>
             </a:r>
           </a:p>
           <a:p>
@@ -3588,7 +3876,7 @@
                 <a:latin typeface="Times New Roman" panose="02020603050405020304" pitchFamily="18" charset="0"/>
                 <a:cs typeface="Times New Roman" panose="02020603050405020304" pitchFamily="18" charset="0"/>
               </a:rPr>
-              <a:t>Plotted graph which includes speedup vs cores, execution time vs cache size/associativity and L1/L2 miss rate.</a:t>
+              <a:t>Plotted graph which includes speedup vs cores, execution time vs cache size/associativity, and L1/L2 miss rate.</a:t>
             </a:r>
           </a:p>
           <a:p>
@@ -3657,7 +3945,7 @@
                 <a:latin typeface="Times New Roman" panose="02020603050405020304" pitchFamily="18" charset="0"/>
                 <a:cs typeface="Times New Roman" panose="02020603050405020304" pitchFamily="18" charset="0"/>
               </a:rPr>
-              <a:t>output file along with key metrics.</a:t>
+              <a:t>output file, along with key metrics.</a:t>
             </a:r>
           </a:p>
           <a:p>
@@ -3670,7 +3958,7 @@
                 <a:latin typeface="Times New Roman" panose="02020603050405020304" pitchFamily="18" charset="0"/>
                 <a:cs typeface="Times New Roman" panose="02020603050405020304" pitchFamily="18" charset="0"/>
               </a:rPr>
-              <a:t>Explain and analyse the Python script that generates the final graphs for core scaling, cache size scaling and cache associativity scaling.</a:t>
+              <a:t>Explain and analyse the Python script that generates the final graphs for core scaling, cache size scaling, and cache associativity scaling.</a:t>
             </a:r>
           </a:p>
           <a:p>
@@ -5087,6 +5375,15 @@
 </file>
 
 <file path=customXml/item1.xml><?xml version="1.0" encoding="utf-8"?>
+<?mso-contentType ?>
+<FormTemplates xmlns="http://schemas.microsoft.com/sharepoint/v3/contenttype/forms">
+  <Display>DocumentLibraryForm</Display>
+  <Edit>DocumentLibraryForm</Edit>
+  <New>DocumentLibraryForm</New>
+</FormTemplates>
+</file>
+
+<file path=customXml/item2.xml><?xml version="1.0" encoding="utf-8"?>
 <ct:contentTypeSchema xmlns:ct="http://schemas.microsoft.com/office/2006/metadata/contentType" xmlns:ma="http://schemas.microsoft.com/office/2006/metadata/properties/metaAttributes" ct:_="" ma:_="" ma:contentTypeName="Document" ma:contentTypeID="0x010100F5E2172C5ECC18428FFD5271C69556D2" ma:contentTypeVersion="13" ma:contentTypeDescription="Create a new document." ma:contentTypeScope="" ma:versionID="a0afb1888c427b7d04f41b99f5125deb">
   <xsd:schema xmlns:xsd="http://www.w3.org/2001/XMLSchema" xmlns:xs="http://www.w3.org/2001/XMLSchema" xmlns:p="http://schemas.microsoft.com/office/2006/metadata/properties" xmlns:ns2="39e9e875-4b09-4b43-9980-16c0b4197579" xmlns:ns3="1ed2092a-bff2-4e4c-98c7-303763e9c5c4" targetNamespace="http://schemas.microsoft.com/office/2006/metadata/properties" ma:root="true" ma:fieldsID="23150fa3efc75598e296dc638fd4d26e" ns2:_="" ns3:_="">
     <xsd:import namespace="39e9e875-4b09-4b43-9980-16c0b4197579"/>
@@ -5309,15 +5606,6 @@
 </ct:contentTypeSchema>
 </file>
 
-<file path=customXml/item2.xml><?xml version="1.0" encoding="utf-8"?>
-<?mso-contentType ?>
-<FormTemplates xmlns="http://schemas.microsoft.com/sharepoint/v3/contenttype/forms">
-  <Display>DocumentLibraryForm</Display>
-  <Edit>DocumentLibraryForm</Edit>
-  <New>DocumentLibraryForm</New>
-</FormTemplates>
-</file>
-
 <file path=customXml/item3.xml><?xml version="1.0" encoding="utf-8"?>
 <p:properties xmlns:p="http://schemas.microsoft.com/office/2006/metadata/properties" xmlns:xsi="http://www.w3.org/2001/XMLSchema-instance" xmlns:pc="http://schemas.microsoft.com/office/infopath/2007/PartnerControls">
   <documentManagement/>
@@ -5325,6 +5613,14 @@
 </file>
 
 <file path=customXml/itemProps1.xml><?xml version="1.0" encoding="utf-8"?>
+<ds:datastoreItem xmlns:ds="http://schemas.openxmlformats.org/officeDocument/2006/customXml" ds:itemID="{9DECA1BD-6187-4AC5-A7DA-3E83933574D1}">
+  <ds:schemaRefs>
+    <ds:schemaRef ds:uri="http://schemas.microsoft.com/sharepoint/v3/contenttype/forms"/>
+  </ds:schemaRefs>
+</ds:datastoreItem>
+</file>
+
+<file path=customXml/itemProps2.xml><?xml version="1.0" encoding="utf-8"?>
 <ds:datastoreItem xmlns:ds="http://schemas.openxmlformats.org/officeDocument/2006/customXml" ds:itemID="{928DBAB1-2E48-4A54-8455-55BB41F8A1CF}">
   <ds:schemaRefs>
     <ds:schemaRef ds:uri="http://schemas.microsoft.com/office/2006/metadata/contentType"/>
@@ -5343,14 +5639,6 @@
 </ds:datastoreItem>
 </file>
 
-<file path=customXml/itemProps2.xml><?xml version="1.0" encoding="utf-8"?>
-<ds:datastoreItem xmlns:ds="http://schemas.openxmlformats.org/officeDocument/2006/customXml" ds:itemID="{9DECA1BD-6187-4AC5-A7DA-3E83933574D1}">
-  <ds:schemaRefs>
-    <ds:schemaRef ds:uri="http://schemas.microsoft.com/sharepoint/v3/contenttype/forms"/>
-  </ds:schemaRefs>
-</ds:datastoreItem>
-</file>
-
 <file path=customXml/itemProps3.xml><?xml version="1.0" encoding="utf-8"?>
 <ds:datastoreItem xmlns:ds="http://schemas.openxmlformats.org/officeDocument/2006/customXml" ds:itemID="{08B8CBD8-DE51-45A2-8157-0B5619818785}">
   <ds:schemaRefs>

--- a/files/G4Progress.pptx
+++ b/files/G4Progress.pptx
@@ -587,7 +587,7 @@
           </a:ln>
           <a:extLst>
             <a:ext uri="{C572A759-6A51-4108-AA02-DFA0A04FC94B}">
-              <ma14:wrappingTextBoxFlag xmlns:ma14="http://schemas.microsoft.com/office/mac/drawingml/2011/main" xmlns="" val="1"/>
+              <ma14:wrappingTextBoxFlag xmlns="" xmlns:ma14="http://schemas.microsoft.com/office/mac/drawingml/2011/main" val="1"/>
             </a:ext>
           </a:extLst>
         </p:spPr>
@@ -985,7 +985,7 @@
           </a:ln>
           <a:extLst>
             <a:ext uri="{C572A759-6A51-4108-AA02-DFA0A04FC94B}">
-              <ma14:wrappingTextBoxFlag xmlns:ma14="http://schemas.microsoft.com/office/mac/drawingml/2011/main" xmlns="" val="1"/>
+              <ma14:wrappingTextBoxFlag xmlns="" xmlns:ma14="http://schemas.microsoft.com/office/mac/drawingml/2011/main" val="1"/>
             </a:ext>
           </a:extLst>
         </p:spPr>
@@ -1034,7 +1034,7 @@
           </a:ln>
           <a:extLst>
             <a:ext uri="{C572A759-6A51-4108-AA02-DFA0A04FC94B}">
-              <ma14:wrappingTextBoxFlag xmlns:ma14="http://schemas.microsoft.com/office/mac/drawingml/2011/main" xmlns="" val="1"/>
+              <ma14:wrappingTextBoxFlag xmlns="" xmlns:ma14="http://schemas.microsoft.com/office/mac/drawingml/2011/main" val="1"/>
             </a:ext>
           </a:extLst>
         </p:spPr>
@@ -2894,7 +2894,7 @@
                 <a:latin typeface="Times New Roman" panose="02020603050405020304" pitchFamily="18" charset="0"/>
                 <a:cs typeface="Times New Roman" panose="02020603050405020304" pitchFamily="18" charset="0"/>
               </a:rPr>
-              <a:t>Partial Result</a:t>
+              <a:t>Initial Result</a:t>
             </a:r>
           </a:p>
           <a:p>
@@ -2906,7 +2906,21 @@
                 <a:latin typeface="Times New Roman" panose="02020603050405020304" pitchFamily="18" charset="0"/>
                 <a:cs typeface="Times New Roman" panose="02020603050405020304" pitchFamily="18" charset="0"/>
               </a:rPr>
-              <a:t>This is the terminal output showing the results after executing the workload with different threads. This verifies that our merge sort algorithm with OpenMP is working correctly and executing in parallel.</a:t>
+              <a:t>This is the terminal output showing the results after </a:t>
+            </a:r>
+            <a:r>
+              <a:rPr lang="en-US" sz="2000" b="0" dirty="0">
+                <a:latin typeface="Times New Roman" panose="02020603050405020304" pitchFamily="18" charset="0"/>
+                <a:cs typeface="Times New Roman" panose="02020603050405020304" pitchFamily="18" charset="0"/>
+              </a:rPr>
+              <a:t>running the workload with different thread counts</a:t>
+            </a:r>
+            <a:r>
+              <a:rPr lang="en-IN" sz="2000" b="0" dirty="0">
+                <a:latin typeface="Times New Roman" panose="02020603050405020304" pitchFamily="18" charset="0"/>
+                <a:cs typeface="Times New Roman" panose="02020603050405020304" pitchFamily="18" charset="0"/>
+              </a:rPr>
+              <a:t>. This verifies that our merge sort algorithm with OpenMP is working correctly and executing in parallel.</a:t>
             </a:r>
           </a:p>
           <a:p>
@@ -3042,7 +3056,12 @@
             <p:ph idx="1"/>
           </p:nvPr>
         </p:nvSpPr>
-        <p:spPr/>
+        <p:spPr>
+          <a:xfrm>
+            <a:off x="166837" y="854764"/>
+            <a:ext cx="7364235" cy="5565913"/>
+          </a:xfrm>
+        </p:spPr>
         <p:txBody>
           <a:bodyPr/>
           <a:lstStyle/>
@@ -3058,7 +3077,7 @@
                 <a:latin typeface="Times New Roman" panose="02020603050405020304" pitchFamily="18" charset="0"/>
                 <a:cs typeface="Times New Roman" panose="02020603050405020304" pitchFamily="18" charset="0"/>
               </a:rPr>
-              <a:t>Partial Result</a:t>
+              <a:t>Initial Result</a:t>
             </a:r>
           </a:p>
           <a:p>
@@ -3070,8 +3089,145 @@
                 <a:latin typeface="Times New Roman" panose="02020603050405020304" pitchFamily="18" charset="0"/>
                 <a:cs typeface="Times New Roman" panose="02020603050405020304" pitchFamily="18" charset="0"/>
               </a:rPr>
-              <a:t>This is the terminal output showing the results after executing the workload with different threads. This verifies that our merge sort algorithm with OpenMP is working correctly and executing in parallel.</a:t>
-            </a:r>
+              <a:t>This </a:t>
+            </a:r>
+            <a:r>
+              <a:rPr lang="en-US" sz="2000" b="0" dirty="0">
+                <a:latin typeface="Times New Roman" panose="02020603050405020304" pitchFamily="18" charset="0"/>
+                <a:cs typeface="Times New Roman" panose="02020603050405020304" pitchFamily="18" charset="0"/>
+              </a:rPr>
+              <a:t>is a visualization of our results for the </a:t>
+            </a:r>
+            <a:r>
+              <a:rPr lang="en-US" sz="2000" dirty="0">
+                <a:latin typeface="Times New Roman" panose="02020603050405020304" pitchFamily="18" charset="0"/>
+                <a:cs typeface="Times New Roman" panose="02020603050405020304" pitchFamily="18" charset="0"/>
+              </a:rPr>
+              <a:t>Core Scaling</a:t>
+            </a:r>
+            <a:r>
+              <a:rPr lang="en-US" sz="2000" b="0" dirty="0">
+                <a:latin typeface="Times New Roman" panose="02020603050405020304" pitchFamily="18" charset="0"/>
+                <a:cs typeface="Times New Roman" panose="02020603050405020304" pitchFamily="18" charset="0"/>
+              </a:rPr>
+              <a:t> and </a:t>
+            </a:r>
+            <a:r>
+              <a:rPr lang="en-US" sz="2000" dirty="0">
+                <a:latin typeface="Times New Roman" panose="02020603050405020304" pitchFamily="18" charset="0"/>
+                <a:cs typeface="Times New Roman" panose="02020603050405020304" pitchFamily="18" charset="0"/>
+              </a:rPr>
+              <a:t>Cache Associativity Scaling</a:t>
+            </a:r>
+            <a:r>
+              <a:rPr lang="en-US" sz="2000" b="0" dirty="0">
+                <a:latin typeface="Times New Roman" panose="02020603050405020304" pitchFamily="18" charset="0"/>
+                <a:cs typeface="Times New Roman" panose="02020603050405020304" pitchFamily="18" charset="0"/>
+              </a:rPr>
+              <a:t> experiments.</a:t>
+            </a:r>
+          </a:p>
+          <a:p>
+            <a:pPr>
+              <a:buFont typeface="Arial" panose="020B0604020202020204" pitchFamily="34" charset="0"/>
+              <a:buChar char="-"/>
+            </a:pPr>
+            <a:r>
+              <a:rPr lang="en-US" sz="2000" b="0" dirty="0">
+                <a:latin typeface="Times New Roman" panose="02020603050405020304" pitchFamily="18" charset="0"/>
+                <a:cs typeface="Times New Roman" panose="02020603050405020304" pitchFamily="18" charset="0"/>
+              </a:rPr>
+              <a:t>The Core Scaling graph demonstrates that as we increase the number of cores, the time to complete the work/task decreases.</a:t>
+            </a:r>
+          </a:p>
+          <a:p>
+            <a:pPr marL="223234" indent="0">
+              <a:buNone/>
+            </a:pPr>
+            <a:endParaRPr lang="en-US" sz="2000" b="0" dirty="0">
+              <a:latin typeface="Times New Roman" panose="02020603050405020304" pitchFamily="18" charset="0"/>
+              <a:cs typeface="Times New Roman" panose="02020603050405020304" pitchFamily="18" charset="0"/>
+            </a:endParaRPr>
+          </a:p>
+          <a:p>
+            <a:pPr>
+              <a:buFont typeface="Arial" panose="020B0604020202020204" pitchFamily="34" charset="0"/>
+              <a:buChar char="-"/>
+            </a:pPr>
+            <a:r>
+              <a:rPr lang="en-US" sz="2000" b="0" dirty="0">
+                <a:latin typeface="Times New Roman" panose="02020603050405020304" pitchFamily="18" charset="0"/>
+                <a:cs typeface="Times New Roman" panose="02020603050405020304" pitchFamily="18" charset="0"/>
+              </a:rPr>
+              <a:t>The Cache Associativity graphs demonstrate that increasing associativity reduces L1 conflict misses, but this causes the L2 miss rate to rise because the L1 now has all the easy hits, leaving only a few requests for the L2 cache.</a:t>
+            </a:r>
+          </a:p>
+          <a:p>
+            <a:pPr marL="223234" indent="0">
+              <a:buNone/>
+            </a:pPr>
+            <a:endParaRPr lang="en-US" sz="2000" b="0" dirty="0">
+              <a:latin typeface="Times New Roman" panose="02020603050405020304" pitchFamily="18" charset="0"/>
+              <a:cs typeface="Times New Roman" panose="02020603050405020304" pitchFamily="18" charset="0"/>
+            </a:endParaRPr>
+          </a:p>
+          <a:p>
+            <a:pPr marL="223234" indent="0">
+              <a:buNone/>
+            </a:pPr>
+            <a:endParaRPr lang="en-US" sz="2000" b="0" dirty="0">
+              <a:latin typeface="Times New Roman" panose="02020603050405020304" pitchFamily="18" charset="0"/>
+              <a:cs typeface="Times New Roman" panose="02020603050405020304" pitchFamily="18" charset="0"/>
+            </a:endParaRPr>
+          </a:p>
+          <a:p>
+            <a:pPr marL="223234" indent="0">
+              <a:buNone/>
+            </a:pPr>
+            <a:r>
+              <a:rPr lang="en-US" sz="1400" b="0" i="1" dirty="0">
+                <a:latin typeface="Times New Roman" panose="02020603050405020304" pitchFamily="18" charset="0"/>
+                <a:cs typeface="Times New Roman" panose="02020603050405020304" pitchFamily="18" charset="0"/>
+              </a:rPr>
+              <a:t>(These initial runs used the </a:t>
+            </a:r>
+            <a:r>
+              <a:rPr lang="en-US" sz="1400" i="1" dirty="0">
+                <a:latin typeface="Times New Roman" panose="02020603050405020304" pitchFamily="18" charset="0"/>
+                <a:cs typeface="Times New Roman" panose="02020603050405020304" pitchFamily="18" charset="0"/>
+              </a:rPr>
+              <a:t>AtomicSimpleCPU</a:t>
+            </a:r>
+            <a:r>
+              <a:rPr lang="en-US" sz="1400" b="0" i="1" dirty="0">
+                <a:latin typeface="Times New Roman" panose="02020603050405020304" pitchFamily="18" charset="0"/>
+                <a:cs typeface="Times New Roman" panose="02020603050405020304" pitchFamily="18" charset="0"/>
+              </a:rPr>
+              <a:t> model, which does not accurately model memory access timing. We are currently re-running the cache sensitivity experiments using the </a:t>
+            </a:r>
+            <a:r>
+              <a:rPr lang="en-US" sz="1400" i="1" dirty="0">
+                <a:latin typeface="Times New Roman" panose="02020603050405020304" pitchFamily="18" charset="0"/>
+                <a:cs typeface="Times New Roman" panose="02020603050405020304" pitchFamily="18" charset="0"/>
+              </a:rPr>
+              <a:t>TimingSimpleCPU</a:t>
+            </a:r>
+            <a:r>
+              <a:rPr lang="en-US" sz="1400" b="0" i="1" dirty="0">
+                <a:latin typeface="Times New Roman" panose="02020603050405020304" pitchFamily="18" charset="0"/>
+                <a:cs typeface="Times New Roman" panose="02020603050405020304" pitchFamily="18" charset="0"/>
+              </a:rPr>
+              <a:t> model to collect the correct timing data.)</a:t>
+            </a:r>
+          </a:p>
+          <a:p>
+            <a:pPr marL="223234" indent="0">
+              <a:buNone/>
+            </a:pPr>
+            <a:endParaRPr lang="en-US" sz="2000" b="0" dirty="0">
+              <a:latin typeface="Times New Roman" panose="02020603050405020304" pitchFamily="18" charset="0"/>
+              <a:cs typeface="Times New Roman" panose="02020603050405020304" pitchFamily="18" charset="0"/>
+            </a:endParaRPr>
           </a:p>
           <a:p>
             <a:pPr marL="223234" indent="0">
@@ -3084,6 +3240,66 @@
           </a:p>
         </p:txBody>
       </p:sp>
+      <p:pic>
+        <p:nvPicPr>
+          <p:cNvPr id="5" name="Picture 4">
+            <a:extLst>
+              <a:ext uri="{FF2B5EF4-FFF2-40B4-BE49-F238E27FC236}">
+                <a16:creationId xmlns:a16="http://schemas.microsoft.com/office/drawing/2014/main" id="{2A8F0836-BEDA-9FBC-9AA2-3965DB2C406E}"/>
+              </a:ext>
+            </a:extLst>
+          </p:cNvPr>
+          <p:cNvPicPr>
+            <a:picLocks noChangeAspect="1"/>
+          </p:cNvPicPr>
+          <p:nvPr/>
+        </p:nvPicPr>
+        <p:blipFill>
+          <a:blip r:embed="rId2"/>
+          <a:stretch>
+            <a:fillRect/>
+          </a:stretch>
+        </p:blipFill>
+        <p:spPr>
+          <a:xfrm>
+            <a:off x="7531072" y="950003"/>
+            <a:ext cx="4265592" cy="2444774"/>
+          </a:xfrm>
+          <a:prstGeom prst="rect">
+            <a:avLst/>
+          </a:prstGeom>
+        </p:spPr>
+      </p:pic>
+      <p:pic>
+        <p:nvPicPr>
+          <p:cNvPr id="9" name="Picture 8">
+            <a:extLst>
+              <a:ext uri="{FF2B5EF4-FFF2-40B4-BE49-F238E27FC236}">
+                <a16:creationId xmlns:a16="http://schemas.microsoft.com/office/drawing/2014/main" id="{029DA7DD-1036-CC42-E4BF-71669E2F185D}"/>
+              </a:ext>
+            </a:extLst>
+          </p:cNvPr>
+          <p:cNvPicPr>
+            <a:picLocks noChangeAspect="1"/>
+          </p:cNvPicPr>
+          <p:nvPr/>
+        </p:nvPicPr>
+        <p:blipFill>
+          <a:blip r:embed="rId3"/>
+          <a:stretch>
+            <a:fillRect/>
+          </a:stretch>
+        </p:blipFill>
+        <p:spPr>
+          <a:xfrm>
+            <a:off x="7531072" y="3532849"/>
+            <a:ext cx="4265592" cy="2230197"/>
+          </a:xfrm>
+          <a:prstGeom prst="rect">
+            <a:avLst/>
+          </a:prstGeom>
+        </p:spPr>
+      </p:pic>
     </p:spTree>
     <p:extLst>
       <p:ext uri="{BB962C8B-B14F-4D97-AF65-F5344CB8AC3E}">
@@ -5375,15 +5591,6 @@
 </file>
 
 <file path=customXml/item1.xml><?xml version="1.0" encoding="utf-8"?>
-<?mso-contentType ?>
-<FormTemplates xmlns="http://schemas.microsoft.com/sharepoint/v3/contenttype/forms">
-  <Display>DocumentLibraryForm</Display>
-  <Edit>DocumentLibraryForm</Edit>
-  <New>DocumentLibraryForm</New>
-</FormTemplates>
-</file>
-
-<file path=customXml/item2.xml><?xml version="1.0" encoding="utf-8"?>
 <ct:contentTypeSchema xmlns:ct="http://schemas.microsoft.com/office/2006/metadata/contentType" xmlns:ma="http://schemas.microsoft.com/office/2006/metadata/properties/metaAttributes" ct:_="" ma:_="" ma:contentTypeName="Document" ma:contentTypeID="0x010100F5E2172C5ECC18428FFD5271C69556D2" ma:contentTypeVersion="13" ma:contentTypeDescription="Create a new document." ma:contentTypeScope="" ma:versionID="a0afb1888c427b7d04f41b99f5125deb">
   <xsd:schema xmlns:xsd="http://www.w3.org/2001/XMLSchema" xmlns:xs="http://www.w3.org/2001/XMLSchema" xmlns:p="http://schemas.microsoft.com/office/2006/metadata/properties" xmlns:ns2="39e9e875-4b09-4b43-9980-16c0b4197579" xmlns:ns3="1ed2092a-bff2-4e4c-98c7-303763e9c5c4" targetNamespace="http://schemas.microsoft.com/office/2006/metadata/properties" ma:root="true" ma:fieldsID="23150fa3efc75598e296dc638fd4d26e" ns2:_="" ns3:_="">
     <xsd:import namespace="39e9e875-4b09-4b43-9980-16c0b4197579"/>
@@ -5606,6 +5813,15 @@
 </ct:contentTypeSchema>
 </file>
 
+<file path=customXml/item2.xml><?xml version="1.0" encoding="utf-8"?>
+<?mso-contentType ?>
+<FormTemplates xmlns="http://schemas.microsoft.com/sharepoint/v3/contenttype/forms">
+  <Display>DocumentLibraryForm</Display>
+  <Edit>DocumentLibraryForm</Edit>
+  <New>DocumentLibraryForm</New>
+</FormTemplates>
+</file>
+
 <file path=customXml/item3.xml><?xml version="1.0" encoding="utf-8"?>
 <p:properties xmlns:p="http://schemas.microsoft.com/office/2006/metadata/properties" xmlns:xsi="http://www.w3.org/2001/XMLSchema-instance" xmlns:pc="http://schemas.microsoft.com/office/infopath/2007/PartnerControls">
   <documentManagement/>
@@ -5613,14 +5829,6 @@
 </file>
 
 <file path=customXml/itemProps1.xml><?xml version="1.0" encoding="utf-8"?>
-<ds:datastoreItem xmlns:ds="http://schemas.openxmlformats.org/officeDocument/2006/customXml" ds:itemID="{9DECA1BD-6187-4AC5-A7DA-3E83933574D1}">
-  <ds:schemaRefs>
-    <ds:schemaRef ds:uri="http://schemas.microsoft.com/sharepoint/v3/contenttype/forms"/>
-  </ds:schemaRefs>
-</ds:datastoreItem>
-</file>
-
-<file path=customXml/itemProps2.xml><?xml version="1.0" encoding="utf-8"?>
 <ds:datastoreItem xmlns:ds="http://schemas.openxmlformats.org/officeDocument/2006/customXml" ds:itemID="{928DBAB1-2E48-4A54-8455-55BB41F8A1CF}">
   <ds:schemaRefs>
     <ds:schemaRef ds:uri="http://schemas.microsoft.com/office/2006/metadata/contentType"/>
@@ -5639,6 +5847,14 @@
 </ds:datastoreItem>
 </file>
 
+<file path=customXml/itemProps2.xml><?xml version="1.0" encoding="utf-8"?>
+<ds:datastoreItem xmlns:ds="http://schemas.openxmlformats.org/officeDocument/2006/customXml" ds:itemID="{9DECA1BD-6187-4AC5-A7DA-3E83933574D1}">
+  <ds:schemaRefs>
+    <ds:schemaRef ds:uri="http://schemas.microsoft.com/sharepoint/v3/contenttype/forms"/>
+  </ds:schemaRefs>
+</ds:datastoreItem>
+</file>
+
 <file path=customXml/itemProps3.xml><?xml version="1.0" encoding="utf-8"?>
 <ds:datastoreItem xmlns:ds="http://schemas.openxmlformats.org/officeDocument/2006/customXml" ds:itemID="{08B8CBD8-DE51-45A2-8157-0B5619818785}">
   <ds:schemaRefs>
